--- a/ppt 16-9/0320.你的话.pptx
+++ b/ppt 16-9/0320.你的话.pptx
@@ -5,7 +5,7 @@
     <p:sldMasterId id="2147483648" r:id="rId1"/>
   </p:sldMasterIdLst>
   <p:sldIdLst>
-    <p:sldId id="3208" r:id="rId2"/>
+    <p:sldId id="3210" r:id="rId2"/>
   </p:sldIdLst>
   <p:sldSz cx="12192000" cy="6858000"/>
   <p:notesSz cx="6858000" cy="9144000"/>
@@ -129,7 +129,7 @@
           <p:cNvPr id="2" name="标题 1">
             <a:extLst>
               <a:ext uri="{FF2B5EF4-FFF2-40B4-BE49-F238E27FC236}">
-                <a16:creationId xmlns:a16="http://schemas.microsoft.com/office/drawing/2014/main" id="{B69395F1-827C-09E0-047E-4D9E97BF7337}"/>
+                <a16:creationId xmlns:a16="http://schemas.microsoft.com/office/drawing/2014/main" id="{FC43FB84-78E1-76B4-5AB1-19268BDDFAB7}"/>
               </a:ext>
             </a:extLst>
           </p:cNvPr>
@@ -166,7 +166,7 @@
           <p:cNvPr id="3" name="副标题 2">
             <a:extLst>
               <a:ext uri="{FF2B5EF4-FFF2-40B4-BE49-F238E27FC236}">
-                <a16:creationId xmlns:a16="http://schemas.microsoft.com/office/drawing/2014/main" id="{980E82E0-3889-9AC7-70AA-F34C5C4F4277}"/>
+                <a16:creationId xmlns:a16="http://schemas.microsoft.com/office/drawing/2014/main" id="{EAB05CA9-2503-0D18-C84C-4F683615A375}"/>
               </a:ext>
             </a:extLst>
           </p:cNvPr>
@@ -236,7 +236,7 @@
           <p:cNvPr id="4" name="日期占位符 3">
             <a:extLst>
               <a:ext uri="{FF2B5EF4-FFF2-40B4-BE49-F238E27FC236}">
-                <a16:creationId xmlns:a16="http://schemas.microsoft.com/office/drawing/2014/main" id="{3A9AE7BF-903A-E4AC-7E04-FA188A74C31F}"/>
+                <a16:creationId xmlns:a16="http://schemas.microsoft.com/office/drawing/2014/main" id="{B809535A-DA10-C363-9FAA-D072E1536455}"/>
               </a:ext>
             </a:extLst>
           </p:cNvPr>
@@ -252,7 +252,7 @@
           <a:bodyPr/>
           <a:lstStyle/>
           <a:p>
-            <a:fld id="{D71AC204-B79C-4E4A-8873-7C96CE07460E}" type="datetimeFigureOut">
+            <a:fld id="{37AF31C8-90C9-49E9-8B1D-70B2A663693E}" type="datetimeFigureOut">
               <a:rPr lang="zh-CN" altLang="en-US" smtClean="0"/>
               <a:t>2024/3/10</a:t>
             </a:fld>
@@ -265,7 +265,7 @@
           <p:cNvPr id="5" name="页脚占位符 4">
             <a:extLst>
               <a:ext uri="{FF2B5EF4-FFF2-40B4-BE49-F238E27FC236}">
-                <a16:creationId xmlns:a16="http://schemas.microsoft.com/office/drawing/2014/main" id="{EA8E8888-AFEF-F3E8-9769-D7D76B79DA95}"/>
+                <a16:creationId xmlns:a16="http://schemas.microsoft.com/office/drawing/2014/main" id="{A4B9B481-B407-D37C-4FAB-1C703BFF6B87}"/>
               </a:ext>
             </a:extLst>
           </p:cNvPr>
@@ -290,7 +290,7 @@
           <p:cNvPr id="6" name="灯片编号占位符 5">
             <a:extLst>
               <a:ext uri="{FF2B5EF4-FFF2-40B4-BE49-F238E27FC236}">
-                <a16:creationId xmlns:a16="http://schemas.microsoft.com/office/drawing/2014/main" id="{50F23C01-9F5E-2C90-6B1C-4A3921842081}"/>
+                <a16:creationId xmlns:a16="http://schemas.microsoft.com/office/drawing/2014/main" id="{7D95917A-2811-1089-55F5-1FBFFA810B6F}"/>
               </a:ext>
             </a:extLst>
           </p:cNvPr>
@@ -306,7 +306,7 @@
           <a:bodyPr/>
           <a:lstStyle/>
           <a:p>
-            <a:fld id="{C972EA8E-D355-4F8F-A75B-38241E97A607}" type="slidenum">
+            <a:fld id="{4B3D72F4-BE81-427C-A54E-692E9F8603D5}" type="slidenum">
               <a:rPr lang="zh-CN" altLang="en-US" smtClean="0"/>
               <a:t>‹#›</a:t>
             </a:fld>
@@ -317,7 +317,7 @@
     </p:spTree>
     <p:extLst>
       <p:ext uri="{BB962C8B-B14F-4D97-AF65-F5344CB8AC3E}">
-        <p14:creationId xmlns:p14="http://schemas.microsoft.com/office/powerpoint/2010/main" val="3072110763"/>
+        <p14:creationId xmlns:p14="http://schemas.microsoft.com/office/powerpoint/2010/main" val="960154242"/>
       </p:ext>
     </p:extLst>
   </p:cSld>
@@ -349,7 +349,7 @@
           <p:cNvPr id="2" name="标题 1">
             <a:extLst>
               <a:ext uri="{FF2B5EF4-FFF2-40B4-BE49-F238E27FC236}">
-                <a16:creationId xmlns:a16="http://schemas.microsoft.com/office/drawing/2014/main" id="{7497F1EB-6B3D-B282-449A-236B086B634A}"/>
+                <a16:creationId xmlns:a16="http://schemas.microsoft.com/office/drawing/2014/main" id="{2A4FC029-82DD-D232-EDD6-06A03BA26B6A}"/>
               </a:ext>
             </a:extLst>
           </p:cNvPr>
@@ -377,7 +377,7 @@
           <p:cNvPr id="3" name="竖排文字占位符 2">
             <a:extLst>
               <a:ext uri="{FF2B5EF4-FFF2-40B4-BE49-F238E27FC236}">
-                <a16:creationId xmlns:a16="http://schemas.microsoft.com/office/drawing/2014/main" id="{A0D6E77C-04A3-9071-2529-0525FBDAE59C}"/>
+                <a16:creationId xmlns:a16="http://schemas.microsoft.com/office/drawing/2014/main" id="{7B634920-66FB-33E4-0377-AD1978114617}"/>
               </a:ext>
             </a:extLst>
           </p:cNvPr>
@@ -434,7 +434,7 @@
           <p:cNvPr id="4" name="日期占位符 3">
             <a:extLst>
               <a:ext uri="{FF2B5EF4-FFF2-40B4-BE49-F238E27FC236}">
-                <a16:creationId xmlns:a16="http://schemas.microsoft.com/office/drawing/2014/main" id="{3B16E581-6F86-3AB1-28A8-8E8C9AFE76DE}"/>
+                <a16:creationId xmlns:a16="http://schemas.microsoft.com/office/drawing/2014/main" id="{B9C49164-B07A-C1F9-7ACF-F032FDEFF7A3}"/>
               </a:ext>
             </a:extLst>
           </p:cNvPr>
@@ -450,7 +450,7 @@
           <a:bodyPr/>
           <a:lstStyle/>
           <a:p>
-            <a:fld id="{D71AC204-B79C-4E4A-8873-7C96CE07460E}" type="datetimeFigureOut">
+            <a:fld id="{37AF31C8-90C9-49E9-8B1D-70B2A663693E}" type="datetimeFigureOut">
               <a:rPr lang="zh-CN" altLang="en-US" smtClean="0"/>
               <a:t>2024/3/10</a:t>
             </a:fld>
@@ -463,7 +463,7 @@
           <p:cNvPr id="5" name="页脚占位符 4">
             <a:extLst>
               <a:ext uri="{FF2B5EF4-FFF2-40B4-BE49-F238E27FC236}">
-                <a16:creationId xmlns:a16="http://schemas.microsoft.com/office/drawing/2014/main" id="{52AD659F-5B24-8131-CEE9-6E7FECC3229C}"/>
+                <a16:creationId xmlns:a16="http://schemas.microsoft.com/office/drawing/2014/main" id="{50C9E111-B57D-4749-2695-A8F00EEE585C}"/>
               </a:ext>
             </a:extLst>
           </p:cNvPr>
@@ -488,7 +488,7 @@
           <p:cNvPr id="6" name="灯片编号占位符 5">
             <a:extLst>
               <a:ext uri="{FF2B5EF4-FFF2-40B4-BE49-F238E27FC236}">
-                <a16:creationId xmlns:a16="http://schemas.microsoft.com/office/drawing/2014/main" id="{04EA406D-6B6D-6494-2756-D5078B90D2BC}"/>
+                <a16:creationId xmlns:a16="http://schemas.microsoft.com/office/drawing/2014/main" id="{BD2FF39E-7F30-AD50-9D40-E1037559757F}"/>
               </a:ext>
             </a:extLst>
           </p:cNvPr>
@@ -504,7 +504,7 @@
           <a:bodyPr/>
           <a:lstStyle/>
           <a:p>
-            <a:fld id="{C972EA8E-D355-4F8F-A75B-38241E97A607}" type="slidenum">
+            <a:fld id="{4B3D72F4-BE81-427C-A54E-692E9F8603D5}" type="slidenum">
               <a:rPr lang="zh-CN" altLang="en-US" smtClean="0"/>
               <a:t>‹#›</a:t>
             </a:fld>
@@ -515,7 +515,7 @@
     </p:spTree>
     <p:extLst>
       <p:ext uri="{BB962C8B-B14F-4D97-AF65-F5344CB8AC3E}">
-        <p14:creationId xmlns:p14="http://schemas.microsoft.com/office/powerpoint/2010/main" val="634651353"/>
+        <p14:creationId xmlns:p14="http://schemas.microsoft.com/office/powerpoint/2010/main" val="3069715861"/>
       </p:ext>
     </p:extLst>
   </p:cSld>
@@ -547,7 +547,7 @@
           <p:cNvPr id="2" name="竖排标题 1">
             <a:extLst>
               <a:ext uri="{FF2B5EF4-FFF2-40B4-BE49-F238E27FC236}">
-                <a16:creationId xmlns:a16="http://schemas.microsoft.com/office/drawing/2014/main" id="{707BA2D2-89DD-DB37-ECA5-70AD4541A42E}"/>
+                <a16:creationId xmlns:a16="http://schemas.microsoft.com/office/drawing/2014/main" id="{D621A9D6-DD93-02C4-2CC1-27710B3FB30A}"/>
               </a:ext>
             </a:extLst>
           </p:cNvPr>
@@ -580,7 +580,7 @@
           <p:cNvPr id="3" name="竖排文字占位符 2">
             <a:extLst>
               <a:ext uri="{FF2B5EF4-FFF2-40B4-BE49-F238E27FC236}">
-                <a16:creationId xmlns:a16="http://schemas.microsoft.com/office/drawing/2014/main" id="{CE2E49FF-901A-7410-12B9-054271131CB9}"/>
+                <a16:creationId xmlns:a16="http://schemas.microsoft.com/office/drawing/2014/main" id="{521A889F-F05E-F73F-BD41-6F847D2AFEE1}"/>
               </a:ext>
             </a:extLst>
           </p:cNvPr>
@@ -642,7 +642,7 @@
           <p:cNvPr id="4" name="日期占位符 3">
             <a:extLst>
               <a:ext uri="{FF2B5EF4-FFF2-40B4-BE49-F238E27FC236}">
-                <a16:creationId xmlns:a16="http://schemas.microsoft.com/office/drawing/2014/main" id="{6D66CCF2-56B1-DB01-047C-B13457EBAD8E}"/>
+                <a16:creationId xmlns:a16="http://schemas.microsoft.com/office/drawing/2014/main" id="{CACAF692-CCB1-A947-456E-81E2EE6B9A57}"/>
               </a:ext>
             </a:extLst>
           </p:cNvPr>
@@ -658,7 +658,7 @@
           <a:bodyPr/>
           <a:lstStyle/>
           <a:p>
-            <a:fld id="{D71AC204-B79C-4E4A-8873-7C96CE07460E}" type="datetimeFigureOut">
+            <a:fld id="{37AF31C8-90C9-49E9-8B1D-70B2A663693E}" type="datetimeFigureOut">
               <a:rPr lang="zh-CN" altLang="en-US" smtClean="0"/>
               <a:t>2024/3/10</a:t>
             </a:fld>
@@ -671,7 +671,7 @@
           <p:cNvPr id="5" name="页脚占位符 4">
             <a:extLst>
               <a:ext uri="{FF2B5EF4-FFF2-40B4-BE49-F238E27FC236}">
-                <a16:creationId xmlns:a16="http://schemas.microsoft.com/office/drawing/2014/main" id="{BD7C5587-0372-5FCB-FDE4-8D1578DFA44E}"/>
+                <a16:creationId xmlns:a16="http://schemas.microsoft.com/office/drawing/2014/main" id="{8CAE66A0-D6DC-A535-C0BA-9126A9670333}"/>
               </a:ext>
             </a:extLst>
           </p:cNvPr>
@@ -696,7 +696,7 @@
           <p:cNvPr id="6" name="灯片编号占位符 5">
             <a:extLst>
               <a:ext uri="{FF2B5EF4-FFF2-40B4-BE49-F238E27FC236}">
-                <a16:creationId xmlns:a16="http://schemas.microsoft.com/office/drawing/2014/main" id="{57990D27-6E1E-0A68-D31C-EAC2FF0EF66B}"/>
+                <a16:creationId xmlns:a16="http://schemas.microsoft.com/office/drawing/2014/main" id="{F7869AFB-CF0C-E012-5587-BC18BCBE0B26}"/>
               </a:ext>
             </a:extLst>
           </p:cNvPr>
@@ -712,7 +712,7 @@
           <a:bodyPr/>
           <a:lstStyle/>
           <a:p>
-            <a:fld id="{C972EA8E-D355-4F8F-A75B-38241E97A607}" type="slidenum">
+            <a:fld id="{4B3D72F4-BE81-427C-A54E-692E9F8603D5}" type="slidenum">
               <a:rPr lang="zh-CN" altLang="en-US" smtClean="0"/>
               <a:t>‹#›</a:t>
             </a:fld>
@@ -723,7 +723,7 @@
     </p:spTree>
     <p:extLst>
       <p:ext uri="{BB962C8B-B14F-4D97-AF65-F5344CB8AC3E}">
-        <p14:creationId xmlns:p14="http://schemas.microsoft.com/office/powerpoint/2010/main" val="940822599"/>
+        <p14:creationId xmlns:p14="http://schemas.microsoft.com/office/powerpoint/2010/main" val="2545450102"/>
       </p:ext>
     </p:extLst>
   </p:cSld>
@@ -755,7 +755,7 @@
           <p:cNvPr id="2" name="标题 1">
             <a:extLst>
               <a:ext uri="{FF2B5EF4-FFF2-40B4-BE49-F238E27FC236}">
-                <a16:creationId xmlns:a16="http://schemas.microsoft.com/office/drawing/2014/main" id="{A101C0B0-9528-5E88-6CF9-BAB47AE69E0C}"/>
+                <a16:creationId xmlns:a16="http://schemas.microsoft.com/office/drawing/2014/main" id="{BB0B456E-C95A-C003-A0C4-56CCA81E09DD}"/>
               </a:ext>
             </a:extLst>
           </p:cNvPr>
@@ -783,7 +783,7 @@
           <p:cNvPr id="3" name="内容占位符 2">
             <a:extLst>
               <a:ext uri="{FF2B5EF4-FFF2-40B4-BE49-F238E27FC236}">
-                <a16:creationId xmlns:a16="http://schemas.microsoft.com/office/drawing/2014/main" id="{27B10B80-8925-F7D8-2A25-A46440F5A574}"/>
+                <a16:creationId xmlns:a16="http://schemas.microsoft.com/office/drawing/2014/main" id="{F1750DAC-AAE5-3112-195F-062CF732DAB0}"/>
               </a:ext>
             </a:extLst>
           </p:cNvPr>
@@ -840,7 +840,7 @@
           <p:cNvPr id="4" name="日期占位符 3">
             <a:extLst>
               <a:ext uri="{FF2B5EF4-FFF2-40B4-BE49-F238E27FC236}">
-                <a16:creationId xmlns:a16="http://schemas.microsoft.com/office/drawing/2014/main" id="{74EB485F-4C47-FF21-D169-469D2C6F91E5}"/>
+                <a16:creationId xmlns:a16="http://schemas.microsoft.com/office/drawing/2014/main" id="{782FB865-8901-4516-DA97-BF733FA82429}"/>
               </a:ext>
             </a:extLst>
           </p:cNvPr>
@@ -856,7 +856,7 @@
           <a:bodyPr/>
           <a:lstStyle/>
           <a:p>
-            <a:fld id="{D71AC204-B79C-4E4A-8873-7C96CE07460E}" type="datetimeFigureOut">
+            <a:fld id="{37AF31C8-90C9-49E9-8B1D-70B2A663693E}" type="datetimeFigureOut">
               <a:rPr lang="zh-CN" altLang="en-US" smtClean="0"/>
               <a:t>2024/3/10</a:t>
             </a:fld>
@@ -869,7 +869,7 @@
           <p:cNvPr id="5" name="页脚占位符 4">
             <a:extLst>
               <a:ext uri="{FF2B5EF4-FFF2-40B4-BE49-F238E27FC236}">
-                <a16:creationId xmlns:a16="http://schemas.microsoft.com/office/drawing/2014/main" id="{26DA5B6F-54E6-45A6-148A-6441404658C7}"/>
+                <a16:creationId xmlns:a16="http://schemas.microsoft.com/office/drawing/2014/main" id="{BE2C1432-FE01-538F-A694-34189B11AC55}"/>
               </a:ext>
             </a:extLst>
           </p:cNvPr>
@@ -894,7 +894,7 @@
           <p:cNvPr id="6" name="灯片编号占位符 5">
             <a:extLst>
               <a:ext uri="{FF2B5EF4-FFF2-40B4-BE49-F238E27FC236}">
-                <a16:creationId xmlns:a16="http://schemas.microsoft.com/office/drawing/2014/main" id="{E96B278F-7C7D-48A1-5BE8-ADB1F23F3857}"/>
+                <a16:creationId xmlns:a16="http://schemas.microsoft.com/office/drawing/2014/main" id="{33F9659F-08BA-CCFA-B896-FAF6558CECCB}"/>
               </a:ext>
             </a:extLst>
           </p:cNvPr>
@@ -910,7 +910,7 @@
           <a:bodyPr/>
           <a:lstStyle/>
           <a:p>
-            <a:fld id="{C972EA8E-D355-4F8F-A75B-38241E97A607}" type="slidenum">
+            <a:fld id="{4B3D72F4-BE81-427C-A54E-692E9F8603D5}" type="slidenum">
               <a:rPr lang="zh-CN" altLang="en-US" smtClean="0"/>
               <a:t>‹#›</a:t>
             </a:fld>
@@ -921,7 +921,7 @@
     </p:spTree>
     <p:extLst>
       <p:ext uri="{BB962C8B-B14F-4D97-AF65-F5344CB8AC3E}">
-        <p14:creationId xmlns:p14="http://schemas.microsoft.com/office/powerpoint/2010/main" val="4122966658"/>
+        <p14:creationId xmlns:p14="http://schemas.microsoft.com/office/powerpoint/2010/main" val="1422868686"/>
       </p:ext>
     </p:extLst>
   </p:cSld>
@@ -953,7 +953,7 @@
           <p:cNvPr id="2" name="标题 1">
             <a:extLst>
               <a:ext uri="{FF2B5EF4-FFF2-40B4-BE49-F238E27FC236}">
-                <a16:creationId xmlns:a16="http://schemas.microsoft.com/office/drawing/2014/main" id="{C97305A1-D7C9-45CC-BC14-825AD0E346E0}"/>
+                <a16:creationId xmlns:a16="http://schemas.microsoft.com/office/drawing/2014/main" id="{628E246D-DC4B-B9E9-68E3-7FF0D3AE30EB}"/>
               </a:ext>
             </a:extLst>
           </p:cNvPr>
@@ -990,7 +990,7 @@
           <p:cNvPr id="3" name="文本占位符 2">
             <a:extLst>
               <a:ext uri="{FF2B5EF4-FFF2-40B4-BE49-F238E27FC236}">
-                <a16:creationId xmlns:a16="http://schemas.microsoft.com/office/drawing/2014/main" id="{547011AB-3D08-E929-3C8E-1C8C3BC4E36C}"/>
+                <a16:creationId xmlns:a16="http://schemas.microsoft.com/office/drawing/2014/main" id="{669D20DD-9A45-06CC-8588-D7A3B2DD39BE}"/>
               </a:ext>
             </a:extLst>
           </p:cNvPr>
@@ -1115,7 +1115,7 @@
           <p:cNvPr id="4" name="日期占位符 3">
             <a:extLst>
               <a:ext uri="{FF2B5EF4-FFF2-40B4-BE49-F238E27FC236}">
-                <a16:creationId xmlns:a16="http://schemas.microsoft.com/office/drawing/2014/main" id="{78A19B0A-81D6-88E3-9E27-F3BDD51019FA}"/>
+                <a16:creationId xmlns:a16="http://schemas.microsoft.com/office/drawing/2014/main" id="{52CC4A68-93C0-A904-FF1A-6FA7D4E77207}"/>
               </a:ext>
             </a:extLst>
           </p:cNvPr>
@@ -1131,7 +1131,7 @@
           <a:bodyPr/>
           <a:lstStyle/>
           <a:p>
-            <a:fld id="{D71AC204-B79C-4E4A-8873-7C96CE07460E}" type="datetimeFigureOut">
+            <a:fld id="{37AF31C8-90C9-49E9-8B1D-70B2A663693E}" type="datetimeFigureOut">
               <a:rPr lang="zh-CN" altLang="en-US" smtClean="0"/>
               <a:t>2024/3/10</a:t>
             </a:fld>
@@ -1144,7 +1144,7 @@
           <p:cNvPr id="5" name="页脚占位符 4">
             <a:extLst>
               <a:ext uri="{FF2B5EF4-FFF2-40B4-BE49-F238E27FC236}">
-                <a16:creationId xmlns:a16="http://schemas.microsoft.com/office/drawing/2014/main" id="{856F1E84-00CA-C7B2-831F-E617590AE320}"/>
+                <a16:creationId xmlns:a16="http://schemas.microsoft.com/office/drawing/2014/main" id="{1074B034-193E-134A-D2FA-74C2A9E6A46B}"/>
               </a:ext>
             </a:extLst>
           </p:cNvPr>
@@ -1169,7 +1169,7 @@
           <p:cNvPr id="6" name="灯片编号占位符 5">
             <a:extLst>
               <a:ext uri="{FF2B5EF4-FFF2-40B4-BE49-F238E27FC236}">
-                <a16:creationId xmlns:a16="http://schemas.microsoft.com/office/drawing/2014/main" id="{54F7D853-F460-F9BE-4BED-600F517E3D5A}"/>
+                <a16:creationId xmlns:a16="http://schemas.microsoft.com/office/drawing/2014/main" id="{558825AF-A756-3D6A-F699-F9C89A37519D}"/>
               </a:ext>
             </a:extLst>
           </p:cNvPr>
@@ -1185,7 +1185,7 @@
           <a:bodyPr/>
           <a:lstStyle/>
           <a:p>
-            <a:fld id="{C972EA8E-D355-4F8F-A75B-38241E97A607}" type="slidenum">
+            <a:fld id="{4B3D72F4-BE81-427C-A54E-692E9F8603D5}" type="slidenum">
               <a:rPr lang="zh-CN" altLang="en-US" smtClean="0"/>
               <a:t>‹#›</a:t>
             </a:fld>
@@ -1196,7 +1196,7 @@
     </p:spTree>
     <p:extLst>
       <p:ext uri="{BB962C8B-B14F-4D97-AF65-F5344CB8AC3E}">
-        <p14:creationId xmlns:p14="http://schemas.microsoft.com/office/powerpoint/2010/main" val="233633468"/>
+        <p14:creationId xmlns:p14="http://schemas.microsoft.com/office/powerpoint/2010/main" val="1573674681"/>
       </p:ext>
     </p:extLst>
   </p:cSld>
@@ -1228,7 +1228,7 @@
           <p:cNvPr id="2" name="标题 1">
             <a:extLst>
               <a:ext uri="{FF2B5EF4-FFF2-40B4-BE49-F238E27FC236}">
-                <a16:creationId xmlns:a16="http://schemas.microsoft.com/office/drawing/2014/main" id="{16819815-ED7F-DDCF-81AE-3251D44C48AB}"/>
+                <a16:creationId xmlns:a16="http://schemas.microsoft.com/office/drawing/2014/main" id="{324C0EDF-75BA-B74A-5015-D1882F40BCC6}"/>
               </a:ext>
             </a:extLst>
           </p:cNvPr>
@@ -1256,7 +1256,7 @@
           <p:cNvPr id="3" name="内容占位符 2">
             <a:extLst>
               <a:ext uri="{FF2B5EF4-FFF2-40B4-BE49-F238E27FC236}">
-                <a16:creationId xmlns:a16="http://schemas.microsoft.com/office/drawing/2014/main" id="{2B6CA7FD-9C1C-DC31-8EFD-DCEBF5233CA0}"/>
+                <a16:creationId xmlns:a16="http://schemas.microsoft.com/office/drawing/2014/main" id="{C16D9B22-3869-E1E0-1F9B-090DFBC2DF57}"/>
               </a:ext>
             </a:extLst>
           </p:cNvPr>
@@ -1318,7 +1318,7 @@
           <p:cNvPr id="4" name="内容占位符 3">
             <a:extLst>
               <a:ext uri="{FF2B5EF4-FFF2-40B4-BE49-F238E27FC236}">
-                <a16:creationId xmlns:a16="http://schemas.microsoft.com/office/drawing/2014/main" id="{3B50B4EA-EE18-36C1-7CFA-78882991DF42}"/>
+                <a16:creationId xmlns:a16="http://schemas.microsoft.com/office/drawing/2014/main" id="{6A3B391F-D586-5BDF-BB17-F63822575675}"/>
               </a:ext>
             </a:extLst>
           </p:cNvPr>
@@ -1380,7 +1380,7 @@
           <p:cNvPr id="5" name="日期占位符 4">
             <a:extLst>
               <a:ext uri="{FF2B5EF4-FFF2-40B4-BE49-F238E27FC236}">
-                <a16:creationId xmlns:a16="http://schemas.microsoft.com/office/drawing/2014/main" id="{8D2B21D7-3DF2-718C-69CD-9DDA07D31509}"/>
+                <a16:creationId xmlns:a16="http://schemas.microsoft.com/office/drawing/2014/main" id="{6AD16ADF-E71E-738C-56EA-D736A0FA8217}"/>
               </a:ext>
             </a:extLst>
           </p:cNvPr>
@@ -1396,7 +1396,7 @@
           <a:bodyPr/>
           <a:lstStyle/>
           <a:p>
-            <a:fld id="{D71AC204-B79C-4E4A-8873-7C96CE07460E}" type="datetimeFigureOut">
+            <a:fld id="{37AF31C8-90C9-49E9-8B1D-70B2A663693E}" type="datetimeFigureOut">
               <a:rPr lang="zh-CN" altLang="en-US" smtClean="0"/>
               <a:t>2024/3/10</a:t>
             </a:fld>
@@ -1409,7 +1409,7 @@
           <p:cNvPr id="6" name="页脚占位符 5">
             <a:extLst>
               <a:ext uri="{FF2B5EF4-FFF2-40B4-BE49-F238E27FC236}">
-                <a16:creationId xmlns:a16="http://schemas.microsoft.com/office/drawing/2014/main" id="{347403E6-C684-D3A9-9EEB-9409C30E8315}"/>
+                <a16:creationId xmlns:a16="http://schemas.microsoft.com/office/drawing/2014/main" id="{94300D10-CE26-667F-85A9-EDEEF7B7E8A5}"/>
               </a:ext>
             </a:extLst>
           </p:cNvPr>
@@ -1434,7 +1434,7 @@
           <p:cNvPr id="7" name="灯片编号占位符 6">
             <a:extLst>
               <a:ext uri="{FF2B5EF4-FFF2-40B4-BE49-F238E27FC236}">
-                <a16:creationId xmlns:a16="http://schemas.microsoft.com/office/drawing/2014/main" id="{40D0809B-5015-63C1-7F0A-C816EB749615}"/>
+                <a16:creationId xmlns:a16="http://schemas.microsoft.com/office/drawing/2014/main" id="{D1FFF8E0-465C-2572-FBDE-89409B6EF3FA}"/>
               </a:ext>
             </a:extLst>
           </p:cNvPr>
@@ -1450,7 +1450,7 @@
           <a:bodyPr/>
           <a:lstStyle/>
           <a:p>
-            <a:fld id="{C972EA8E-D355-4F8F-A75B-38241E97A607}" type="slidenum">
+            <a:fld id="{4B3D72F4-BE81-427C-A54E-692E9F8603D5}" type="slidenum">
               <a:rPr lang="zh-CN" altLang="en-US" smtClean="0"/>
               <a:t>‹#›</a:t>
             </a:fld>
@@ -1461,7 +1461,7 @@
     </p:spTree>
     <p:extLst>
       <p:ext uri="{BB962C8B-B14F-4D97-AF65-F5344CB8AC3E}">
-        <p14:creationId xmlns:p14="http://schemas.microsoft.com/office/powerpoint/2010/main" val="64922476"/>
+        <p14:creationId xmlns:p14="http://schemas.microsoft.com/office/powerpoint/2010/main" val="1072345271"/>
       </p:ext>
     </p:extLst>
   </p:cSld>
@@ -1493,7 +1493,7 @@
           <p:cNvPr id="2" name="标题 1">
             <a:extLst>
               <a:ext uri="{FF2B5EF4-FFF2-40B4-BE49-F238E27FC236}">
-                <a16:creationId xmlns:a16="http://schemas.microsoft.com/office/drawing/2014/main" id="{EB160ED0-8774-AA61-1149-8691B1276473}"/>
+                <a16:creationId xmlns:a16="http://schemas.microsoft.com/office/drawing/2014/main" id="{3C33ACFD-02DC-A20A-0EA8-0426728915DD}"/>
               </a:ext>
             </a:extLst>
           </p:cNvPr>
@@ -1526,7 +1526,7 @@
           <p:cNvPr id="3" name="文本占位符 2">
             <a:extLst>
               <a:ext uri="{FF2B5EF4-FFF2-40B4-BE49-F238E27FC236}">
-                <a16:creationId xmlns:a16="http://schemas.microsoft.com/office/drawing/2014/main" id="{0C40F284-07A1-629B-F2FB-A83AAC4D7DFF}"/>
+                <a16:creationId xmlns:a16="http://schemas.microsoft.com/office/drawing/2014/main" id="{B2736C26-DA70-9731-1892-FFAFC0116E43}"/>
               </a:ext>
             </a:extLst>
           </p:cNvPr>
@@ -1597,7 +1597,7 @@
           <p:cNvPr id="4" name="内容占位符 3">
             <a:extLst>
               <a:ext uri="{FF2B5EF4-FFF2-40B4-BE49-F238E27FC236}">
-                <a16:creationId xmlns:a16="http://schemas.microsoft.com/office/drawing/2014/main" id="{8198FD2C-D163-40FA-7896-15AFAFCDA83C}"/>
+                <a16:creationId xmlns:a16="http://schemas.microsoft.com/office/drawing/2014/main" id="{9A9AFB52-138D-7355-2594-55FEB91C2CD7}"/>
               </a:ext>
             </a:extLst>
           </p:cNvPr>
@@ -1659,7 +1659,7 @@
           <p:cNvPr id="5" name="文本占位符 4">
             <a:extLst>
               <a:ext uri="{FF2B5EF4-FFF2-40B4-BE49-F238E27FC236}">
-                <a16:creationId xmlns:a16="http://schemas.microsoft.com/office/drawing/2014/main" id="{3696A996-0585-B246-AA82-A55BFD2D72B1}"/>
+                <a16:creationId xmlns:a16="http://schemas.microsoft.com/office/drawing/2014/main" id="{262CB6AD-8EA5-2DD1-30F6-3CFB8F267D9D}"/>
               </a:ext>
             </a:extLst>
           </p:cNvPr>
@@ -1730,7 +1730,7 @@
           <p:cNvPr id="6" name="内容占位符 5">
             <a:extLst>
               <a:ext uri="{FF2B5EF4-FFF2-40B4-BE49-F238E27FC236}">
-                <a16:creationId xmlns:a16="http://schemas.microsoft.com/office/drawing/2014/main" id="{383EFB49-476C-9284-BD49-F7E7992A7B15}"/>
+                <a16:creationId xmlns:a16="http://schemas.microsoft.com/office/drawing/2014/main" id="{C88F62B4-8975-88D2-9975-99EC50ECA9AC}"/>
               </a:ext>
             </a:extLst>
           </p:cNvPr>
@@ -1792,7 +1792,7 @@
           <p:cNvPr id="7" name="日期占位符 6">
             <a:extLst>
               <a:ext uri="{FF2B5EF4-FFF2-40B4-BE49-F238E27FC236}">
-                <a16:creationId xmlns:a16="http://schemas.microsoft.com/office/drawing/2014/main" id="{F4B7E94A-8836-2151-0AD2-DD075C24D30D}"/>
+                <a16:creationId xmlns:a16="http://schemas.microsoft.com/office/drawing/2014/main" id="{9C6C729B-FEC7-D832-D944-3A2A6AA518A1}"/>
               </a:ext>
             </a:extLst>
           </p:cNvPr>
@@ -1808,7 +1808,7 @@
           <a:bodyPr/>
           <a:lstStyle/>
           <a:p>
-            <a:fld id="{D71AC204-B79C-4E4A-8873-7C96CE07460E}" type="datetimeFigureOut">
+            <a:fld id="{37AF31C8-90C9-49E9-8B1D-70B2A663693E}" type="datetimeFigureOut">
               <a:rPr lang="zh-CN" altLang="en-US" smtClean="0"/>
               <a:t>2024/3/10</a:t>
             </a:fld>
@@ -1821,7 +1821,7 @@
           <p:cNvPr id="8" name="页脚占位符 7">
             <a:extLst>
               <a:ext uri="{FF2B5EF4-FFF2-40B4-BE49-F238E27FC236}">
-                <a16:creationId xmlns:a16="http://schemas.microsoft.com/office/drawing/2014/main" id="{1F0CD6DF-C271-863F-89ED-4718C80A03FA}"/>
+                <a16:creationId xmlns:a16="http://schemas.microsoft.com/office/drawing/2014/main" id="{88BB80D5-412E-B7F7-E2A5-62A462584C66}"/>
               </a:ext>
             </a:extLst>
           </p:cNvPr>
@@ -1846,7 +1846,7 @@
           <p:cNvPr id="9" name="灯片编号占位符 8">
             <a:extLst>
               <a:ext uri="{FF2B5EF4-FFF2-40B4-BE49-F238E27FC236}">
-                <a16:creationId xmlns:a16="http://schemas.microsoft.com/office/drawing/2014/main" id="{D12A96F3-C20D-7D4F-B2E8-60AB6CAD8BE6}"/>
+                <a16:creationId xmlns:a16="http://schemas.microsoft.com/office/drawing/2014/main" id="{37A42973-B161-1A84-1C60-0680044F9CAB}"/>
               </a:ext>
             </a:extLst>
           </p:cNvPr>
@@ -1862,7 +1862,7 @@
           <a:bodyPr/>
           <a:lstStyle/>
           <a:p>
-            <a:fld id="{C972EA8E-D355-4F8F-A75B-38241E97A607}" type="slidenum">
+            <a:fld id="{4B3D72F4-BE81-427C-A54E-692E9F8603D5}" type="slidenum">
               <a:rPr lang="zh-CN" altLang="en-US" smtClean="0"/>
               <a:t>‹#›</a:t>
             </a:fld>
@@ -1873,7 +1873,7 @@
     </p:spTree>
     <p:extLst>
       <p:ext uri="{BB962C8B-B14F-4D97-AF65-F5344CB8AC3E}">
-        <p14:creationId xmlns:p14="http://schemas.microsoft.com/office/powerpoint/2010/main" val="3861746870"/>
+        <p14:creationId xmlns:p14="http://schemas.microsoft.com/office/powerpoint/2010/main" val="3982326780"/>
       </p:ext>
     </p:extLst>
   </p:cSld>
@@ -1905,7 +1905,7 @@
           <p:cNvPr id="2" name="标题 1">
             <a:extLst>
               <a:ext uri="{FF2B5EF4-FFF2-40B4-BE49-F238E27FC236}">
-                <a16:creationId xmlns:a16="http://schemas.microsoft.com/office/drawing/2014/main" id="{2A6E00B9-983C-BE27-9DB7-9DBF266277B0}"/>
+                <a16:creationId xmlns:a16="http://schemas.microsoft.com/office/drawing/2014/main" id="{7941B94F-B50E-6A2E-C33C-DF197CE4D15A}"/>
               </a:ext>
             </a:extLst>
           </p:cNvPr>
@@ -1933,7 +1933,7 @@
           <p:cNvPr id="3" name="日期占位符 2">
             <a:extLst>
               <a:ext uri="{FF2B5EF4-FFF2-40B4-BE49-F238E27FC236}">
-                <a16:creationId xmlns:a16="http://schemas.microsoft.com/office/drawing/2014/main" id="{C2F310C0-B5A2-2EB9-3C30-4E031D0038CD}"/>
+                <a16:creationId xmlns:a16="http://schemas.microsoft.com/office/drawing/2014/main" id="{E1B0CBFC-6C8B-322A-0A7C-1F2C6FCD3232}"/>
               </a:ext>
             </a:extLst>
           </p:cNvPr>
@@ -1949,7 +1949,7 @@
           <a:bodyPr/>
           <a:lstStyle/>
           <a:p>
-            <a:fld id="{D71AC204-B79C-4E4A-8873-7C96CE07460E}" type="datetimeFigureOut">
+            <a:fld id="{37AF31C8-90C9-49E9-8B1D-70B2A663693E}" type="datetimeFigureOut">
               <a:rPr lang="zh-CN" altLang="en-US" smtClean="0"/>
               <a:t>2024/3/10</a:t>
             </a:fld>
@@ -1962,7 +1962,7 @@
           <p:cNvPr id="4" name="页脚占位符 3">
             <a:extLst>
               <a:ext uri="{FF2B5EF4-FFF2-40B4-BE49-F238E27FC236}">
-                <a16:creationId xmlns:a16="http://schemas.microsoft.com/office/drawing/2014/main" id="{A2E53FEF-1274-CEC4-9947-577E23DECC27}"/>
+                <a16:creationId xmlns:a16="http://schemas.microsoft.com/office/drawing/2014/main" id="{5A83A7C3-9EAA-D421-812F-33282C02E82D}"/>
               </a:ext>
             </a:extLst>
           </p:cNvPr>
@@ -1987,7 +1987,7 @@
           <p:cNvPr id="5" name="灯片编号占位符 4">
             <a:extLst>
               <a:ext uri="{FF2B5EF4-FFF2-40B4-BE49-F238E27FC236}">
-                <a16:creationId xmlns:a16="http://schemas.microsoft.com/office/drawing/2014/main" id="{73B43224-E7B1-C982-2DCD-9F4CF8771F3E}"/>
+                <a16:creationId xmlns:a16="http://schemas.microsoft.com/office/drawing/2014/main" id="{E27D60A8-7D8A-5E27-8500-E9A15F4FA586}"/>
               </a:ext>
             </a:extLst>
           </p:cNvPr>
@@ -2003,7 +2003,7 @@
           <a:bodyPr/>
           <a:lstStyle/>
           <a:p>
-            <a:fld id="{C972EA8E-D355-4F8F-A75B-38241E97A607}" type="slidenum">
+            <a:fld id="{4B3D72F4-BE81-427C-A54E-692E9F8603D5}" type="slidenum">
               <a:rPr lang="zh-CN" altLang="en-US" smtClean="0"/>
               <a:t>‹#›</a:t>
             </a:fld>
@@ -2014,7 +2014,7 @@
     </p:spTree>
     <p:extLst>
       <p:ext uri="{BB962C8B-B14F-4D97-AF65-F5344CB8AC3E}">
-        <p14:creationId xmlns:p14="http://schemas.microsoft.com/office/powerpoint/2010/main" val="3120985824"/>
+        <p14:creationId xmlns:p14="http://schemas.microsoft.com/office/powerpoint/2010/main" val="659251515"/>
       </p:ext>
     </p:extLst>
   </p:cSld>
@@ -2046,7 +2046,7 @@
           <p:cNvPr id="2" name="日期占位符 1">
             <a:extLst>
               <a:ext uri="{FF2B5EF4-FFF2-40B4-BE49-F238E27FC236}">
-                <a16:creationId xmlns:a16="http://schemas.microsoft.com/office/drawing/2014/main" id="{791BF99F-5A17-E521-F476-9A1919E7AD8C}"/>
+                <a16:creationId xmlns:a16="http://schemas.microsoft.com/office/drawing/2014/main" id="{7BC58CD7-13EE-397B-B4AB-E112AF7D1E16}"/>
               </a:ext>
             </a:extLst>
           </p:cNvPr>
@@ -2062,7 +2062,7 @@
           <a:bodyPr/>
           <a:lstStyle/>
           <a:p>
-            <a:fld id="{D71AC204-B79C-4E4A-8873-7C96CE07460E}" type="datetimeFigureOut">
+            <a:fld id="{37AF31C8-90C9-49E9-8B1D-70B2A663693E}" type="datetimeFigureOut">
               <a:rPr lang="zh-CN" altLang="en-US" smtClean="0"/>
               <a:t>2024/3/10</a:t>
             </a:fld>
@@ -2075,7 +2075,7 @@
           <p:cNvPr id="3" name="页脚占位符 2">
             <a:extLst>
               <a:ext uri="{FF2B5EF4-FFF2-40B4-BE49-F238E27FC236}">
-                <a16:creationId xmlns:a16="http://schemas.microsoft.com/office/drawing/2014/main" id="{07D69FA1-80AF-0D16-5259-B1AFA714D605}"/>
+                <a16:creationId xmlns:a16="http://schemas.microsoft.com/office/drawing/2014/main" id="{92B35499-E2B0-F3C1-272E-75D0D9E0B0DA}"/>
               </a:ext>
             </a:extLst>
           </p:cNvPr>
@@ -2100,7 +2100,7 @@
           <p:cNvPr id="4" name="灯片编号占位符 3">
             <a:extLst>
               <a:ext uri="{FF2B5EF4-FFF2-40B4-BE49-F238E27FC236}">
-                <a16:creationId xmlns:a16="http://schemas.microsoft.com/office/drawing/2014/main" id="{4FAAADF5-923D-011E-5378-E7103A271ED7}"/>
+                <a16:creationId xmlns:a16="http://schemas.microsoft.com/office/drawing/2014/main" id="{309A32ED-B62B-29E8-3F2E-092503F25EE2}"/>
               </a:ext>
             </a:extLst>
           </p:cNvPr>
@@ -2116,7 +2116,7 @@
           <a:bodyPr/>
           <a:lstStyle/>
           <a:p>
-            <a:fld id="{C972EA8E-D355-4F8F-A75B-38241E97A607}" type="slidenum">
+            <a:fld id="{4B3D72F4-BE81-427C-A54E-692E9F8603D5}" type="slidenum">
               <a:rPr lang="zh-CN" altLang="en-US" smtClean="0"/>
               <a:t>‹#›</a:t>
             </a:fld>
@@ -2127,7 +2127,7 @@
     </p:spTree>
     <p:extLst>
       <p:ext uri="{BB962C8B-B14F-4D97-AF65-F5344CB8AC3E}">
-        <p14:creationId xmlns:p14="http://schemas.microsoft.com/office/powerpoint/2010/main" val="1785900891"/>
+        <p14:creationId xmlns:p14="http://schemas.microsoft.com/office/powerpoint/2010/main" val="24446572"/>
       </p:ext>
     </p:extLst>
   </p:cSld>
@@ -2159,7 +2159,7 @@
           <p:cNvPr id="2" name="标题 1">
             <a:extLst>
               <a:ext uri="{FF2B5EF4-FFF2-40B4-BE49-F238E27FC236}">
-                <a16:creationId xmlns:a16="http://schemas.microsoft.com/office/drawing/2014/main" id="{820E18F1-6164-55B1-7C3C-360C89D73381}"/>
+                <a16:creationId xmlns:a16="http://schemas.microsoft.com/office/drawing/2014/main" id="{B48489CE-1F5E-C5DF-736A-B2F816C0C9F9}"/>
               </a:ext>
             </a:extLst>
           </p:cNvPr>
@@ -2196,7 +2196,7 @@
           <p:cNvPr id="3" name="内容占位符 2">
             <a:extLst>
               <a:ext uri="{FF2B5EF4-FFF2-40B4-BE49-F238E27FC236}">
-                <a16:creationId xmlns:a16="http://schemas.microsoft.com/office/drawing/2014/main" id="{491A590F-D242-F95B-FE15-7917305BBFDF}"/>
+                <a16:creationId xmlns:a16="http://schemas.microsoft.com/office/drawing/2014/main" id="{E6756C19-87B1-8088-E737-1F2F21BA2679}"/>
               </a:ext>
             </a:extLst>
           </p:cNvPr>
@@ -2286,7 +2286,7 @@
           <p:cNvPr id="4" name="文本占位符 3">
             <a:extLst>
               <a:ext uri="{FF2B5EF4-FFF2-40B4-BE49-F238E27FC236}">
-                <a16:creationId xmlns:a16="http://schemas.microsoft.com/office/drawing/2014/main" id="{7CF5B698-F7BF-EF63-74EE-E96D253485EE}"/>
+                <a16:creationId xmlns:a16="http://schemas.microsoft.com/office/drawing/2014/main" id="{B1855BE1-AEF4-3521-1184-57BFBAB13F1D}"/>
               </a:ext>
             </a:extLst>
           </p:cNvPr>
@@ -2357,7 +2357,7 @@
           <p:cNvPr id="5" name="日期占位符 4">
             <a:extLst>
               <a:ext uri="{FF2B5EF4-FFF2-40B4-BE49-F238E27FC236}">
-                <a16:creationId xmlns:a16="http://schemas.microsoft.com/office/drawing/2014/main" id="{945176D2-080A-76FE-9560-4A71FCDFBEF3}"/>
+                <a16:creationId xmlns:a16="http://schemas.microsoft.com/office/drawing/2014/main" id="{5B47C981-E304-B6D8-C0FE-F393B616E8B2}"/>
               </a:ext>
             </a:extLst>
           </p:cNvPr>
@@ -2373,7 +2373,7 @@
           <a:bodyPr/>
           <a:lstStyle/>
           <a:p>
-            <a:fld id="{D71AC204-B79C-4E4A-8873-7C96CE07460E}" type="datetimeFigureOut">
+            <a:fld id="{37AF31C8-90C9-49E9-8B1D-70B2A663693E}" type="datetimeFigureOut">
               <a:rPr lang="zh-CN" altLang="en-US" smtClean="0"/>
               <a:t>2024/3/10</a:t>
             </a:fld>
@@ -2386,7 +2386,7 @@
           <p:cNvPr id="6" name="页脚占位符 5">
             <a:extLst>
               <a:ext uri="{FF2B5EF4-FFF2-40B4-BE49-F238E27FC236}">
-                <a16:creationId xmlns:a16="http://schemas.microsoft.com/office/drawing/2014/main" id="{9CD72277-0B81-9325-6CD3-EC896314F002}"/>
+                <a16:creationId xmlns:a16="http://schemas.microsoft.com/office/drawing/2014/main" id="{1F092A7B-A2B3-2249-9787-0033CE515EBE}"/>
               </a:ext>
             </a:extLst>
           </p:cNvPr>
@@ -2411,7 +2411,7 @@
           <p:cNvPr id="7" name="灯片编号占位符 6">
             <a:extLst>
               <a:ext uri="{FF2B5EF4-FFF2-40B4-BE49-F238E27FC236}">
-                <a16:creationId xmlns:a16="http://schemas.microsoft.com/office/drawing/2014/main" id="{2F05F6B6-7F0F-E9B8-0739-29A8B0F4048D}"/>
+                <a16:creationId xmlns:a16="http://schemas.microsoft.com/office/drawing/2014/main" id="{82B18CA2-BA9B-409B-234B-57771C28F572}"/>
               </a:ext>
             </a:extLst>
           </p:cNvPr>
@@ -2427,7 +2427,7 @@
           <a:bodyPr/>
           <a:lstStyle/>
           <a:p>
-            <a:fld id="{C972EA8E-D355-4F8F-A75B-38241E97A607}" type="slidenum">
+            <a:fld id="{4B3D72F4-BE81-427C-A54E-692E9F8603D5}" type="slidenum">
               <a:rPr lang="zh-CN" altLang="en-US" smtClean="0"/>
               <a:t>‹#›</a:t>
             </a:fld>
@@ -2438,7 +2438,7 @@
     </p:spTree>
     <p:extLst>
       <p:ext uri="{BB962C8B-B14F-4D97-AF65-F5344CB8AC3E}">
-        <p14:creationId xmlns:p14="http://schemas.microsoft.com/office/powerpoint/2010/main" val="2774329635"/>
+        <p14:creationId xmlns:p14="http://schemas.microsoft.com/office/powerpoint/2010/main" val="4002421023"/>
       </p:ext>
     </p:extLst>
   </p:cSld>
@@ -2470,7 +2470,7 @@
           <p:cNvPr id="2" name="标题 1">
             <a:extLst>
               <a:ext uri="{FF2B5EF4-FFF2-40B4-BE49-F238E27FC236}">
-                <a16:creationId xmlns:a16="http://schemas.microsoft.com/office/drawing/2014/main" id="{19E5E8B2-5AF7-2812-8170-CECA337BCAEF}"/>
+                <a16:creationId xmlns:a16="http://schemas.microsoft.com/office/drawing/2014/main" id="{A81B3511-404C-6F33-8FA6-064EB1FB4339}"/>
               </a:ext>
             </a:extLst>
           </p:cNvPr>
@@ -2507,7 +2507,7 @@
           <p:cNvPr id="3" name="图片占位符 2">
             <a:extLst>
               <a:ext uri="{FF2B5EF4-FFF2-40B4-BE49-F238E27FC236}">
-                <a16:creationId xmlns:a16="http://schemas.microsoft.com/office/drawing/2014/main" id="{C5154E3E-BECA-985E-5E9A-E1068BC6AB66}"/>
+                <a16:creationId xmlns:a16="http://schemas.microsoft.com/office/drawing/2014/main" id="{3D2184B0-0585-AAE7-F108-BC83AC982942}"/>
               </a:ext>
             </a:extLst>
           </p:cNvPr>
@@ -2574,7 +2574,7 @@
           <p:cNvPr id="4" name="文本占位符 3">
             <a:extLst>
               <a:ext uri="{FF2B5EF4-FFF2-40B4-BE49-F238E27FC236}">
-                <a16:creationId xmlns:a16="http://schemas.microsoft.com/office/drawing/2014/main" id="{326B425E-C7EB-BB1A-921F-2C43D4A1FAF2}"/>
+                <a16:creationId xmlns:a16="http://schemas.microsoft.com/office/drawing/2014/main" id="{86ED87A2-0C2A-E13A-238F-56D2E1DD7C35}"/>
               </a:ext>
             </a:extLst>
           </p:cNvPr>
@@ -2645,7 +2645,7 @@
           <p:cNvPr id="5" name="日期占位符 4">
             <a:extLst>
               <a:ext uri="{FF2B5EF4-FFF2-40B4-BE49-F238E27FC236}">
-                <a16:creationId xmlns:a16="http://schemas.microsoft.com/office/drawing/2014/main" id="{B90D2182-B72E-0D89-4844-DF30EF1A766D}"/>
+                <a16:creationId xmlns:a16="http://schemas.microsoft.com/office/drawing/2014/main" id="{218C106F-0B91-D826-819A-8E94D9D9EACA}"/>
               </a:ext>
             </a:extLst>
           </p:cNvPr>
@@ -2661,7 +2661,7 @@
           <a:bodyPr/>
           <a:lstStyle/>
           <a:p>
-            <a:fld id="{D71AC204-B79C-4E4A-8873-7C96CE07460E}" type="datetimeFigureOut">
+            <a:fld id="{37AF31C8-90C9-49E9-8B1D-70B2A663693E}" type="datetimeFigureOut">
               <a:rPr lang="zh-CN" altLang="en-US" smtClean="0"/>
               <a:t>2024/3/10</a:t>
             </a:fld>
@@ -2674,7 +2674,7 @@
           <p:cNvPr id="6" name="页脚占位符 5">
             <a:extLst>
               <a:ext uri="{FF2B5EF4-FFF2-40B4-BE49-F238E27FC236}">
-                <a16:creationId xmlns:a16="http://schemas.microsoft.com/office/drawing/2014/main" id="{A5A324D4-03A4-E450-5902-6A0A2AB9DE0B}"/>
+                <a16:creationId xmlns:a16="http://schemas.microsoft.com/office/drawing/2014/main" id="{013F29BC-C3CC-C27A-7F71-C78358C8C33A}"/>
               </a:ext>
             </a:extLst>
           </p:cNvPr>
@@ -2699,7 +2699,7 @@
           <p:cNvPr id="7" name="灯片编号占位符 6">
             <a:extLst>
               <a:ext uri="{FF2B5EF4-FFF2-40B4-BE49-F238E27FC236}">
-                <a16:creationId xmlns:a16="http://schemas.microsoft.com/office/drawing/2014/main" id="{FB6E6E87-4624-E82A-CF9D-2CCDD76814AB}"/>
+                <a16:creationId xmlns:a16="http://schemas.microsoft.com/office/drawing/2014/main" id="{635C17AE-E08A-59E4-E2F0-6D9B18908749}"/>
               </a:ext>
             </a:extLst>
           </p:cNvPr>
@@ -2715,7 +2715,7 @@
           <a:bodyPr/>
           <a:lstStyle/>
           <a:p>
-            <a:fld id="{C972EA8E-D355-4F8F-A75B-38241E97A607}" type="slidenum">
+            <a:fld id="{4B3D72F4-BE81-427C-A54E-692E9F8603D5}" type="slidenum">
               <a:rPr lang="zh-CN" altLang="en-US" smtClean="0"/>
               <a:t>‹#›</a:t>
             </a:fld>
@@ -2726,7 +2726,7 @@
     </p:spTree>
     <p:extLst>
       <p:ext uri="{BB962C8B-B14F-4D97-AF65-F5344CB8AC3E}">
-        <p14:creationId xmlns:p14="http://schemas.microsoft.com/office/powerpoint/2010/main" val="1748988284"/>
+        <p14:creationId xmlns:p14="http://schemas.microsoft.com/office/powerpoint/2010/main" val="2332906654"/>
       </p:ext>
     </p:extLst>
   </p:cSld>
@@ -2763,7 +2763,7 @@
           <p:cNvPr id="2" name="标题占位符 1">
             <a:extLst>
               <a:ext uri="{FF2B5EF4-FFF2-40B4-BE49-F238E27FC236}">
-                <a16:creationId xmlns:a16="http://schemas.microsoft.com/office/drawing/2014/main" id="{B8D82DF9-2CB6-A8CE-A3AF-CB142D91AA94}"/>
+                <a16:creationId xmlns:a16="http://schemas.microsoft.com/office/drawing/2014/main" id="{F0BF26C1-1591-C817-A665-F67462E2B880}"/>
               </a:ext>
             </a:extLst>
           </p:cNvPr>
@@ -2801,7 +2801,7 @@
           <p:cNvPr id="3" name="文本占位符 2">
             <a:extLst>
               <a:ext uri="{FF2B5EF4-FFF2-40B4-BE49-F238E27FC236}">
-                <a16:creationId xmlns:a16="http://schemas.microsoft.com/office/drawing/2014/main" id="{D3498079-2D3B-BCB7-E034-C4D597652355}"/>
+                <a16:creationId xmlns:a16="http://schemas.microsoft.com/office/drawing/2014/main" id="{934CE117-01ED-3EDE-FF23-2FE822BA7927}"/>
               </a:ext>
             </a:extLst>
           </p:cNvPr>
@@ -2868,7 +2868,7 @@
           <p:cNvPr id="4" name="日期占位符 3">
             <a:extLst>
               <a:ext uri="{FF2B5EF4-FFF2-40B4-BE49-F238E27FC236}">
-                <a16:creationId xmlns:a16="http://schemas.microsoft.com/office/drawing/2014/main" id="{ECCD1983-DC90-9E13-0289-43FD21E826C2}"/>
+                <a16:creationId xmlns:a16="http://schemas.microsoft.com/office/drawing/2014/main" id="{544799AF-AFEC-41DF-3B88-C6F09A0B256F}"/>
               </a:ext>
             </a:extLst>
           </p:cNvPr>
@@ -2902,7 +2902,7 @@
             </a:lvl1pPr>
           </a:lstStyle>
           <a:p>
-            <a:fld id="{D71AC204-B79C-4E4A-8873-7C96CE07460E}" type="datetimeFigureOut">
+            <a:fld id="{37AF31C8-90C9-49E9-8B1D-70B2A663693E}" type="datetimeFigureOut">
               <a:rPr lang="zh-CN" altLang="en-US" smtClean="0"/>
               <a:t>2024/3/10</a:t>
             </a:fld>
@@ -2915,7 +2915,7 @@
           <p:cNvPr id="5" name="页脚占位符 4">
             <a:extLst>
               <a:ext uri="{FF2B5EF4-FFF2-40B4-BE49-F238E27FC236}">
-                <a16:creationId xmlns:a16="http://schemas.microsoft.com/office/drawing/2014/main" id="{02C2CBB6-0C72-19EA-D82B-5476AE186A45}"/>
+                <a16:creationId xmlns:a16="http://schemas.microsoft.com/office/drawing/2014/main" id="{843CC876-8433-B55E-ECCE-18BB0E39E0C0}"/>
               </a:ext>
             </a:extLst>
           </p:cNvPr>
@@ -2958,7 +2958,7 @@
           <p:cNvPr id="6" name="灯片编号占位符 5">
             <a:extLst>
               <a:ext uri="{FF2B5EF4-FFF2-40B4-BE49-F238E27FC236}">
-                <a16:creationId xmlns:a16="http://schemas.microsoft.com/office/drawing/2014/main" id="{D077E30E-A8D5-1573-F060-703346F8F787}"/>
+                <a16:creationId xmlns:a16="http://schemas.microsoft.com/office/drawing/2014/main" id="{7E7B345B-F69B-3AAE-5999-C09D3D155407}"/>
               </a:ext>
             </a:extLst>
           </p:cNvPr>
@@ -2992,7 +2992,7 @@
             </a:lvl1pPr>
           </a:lstStyle>
           <a:p>
-            <a:fld id="{C972EA8E-D355-4F8F-A75B-38241E97A607}" type="slidenum">
+            <a:fld id="{4B3D72F4-BE81-427C-A54E-692E9F8603D5}" type="slidenum">
               <a:rPr lang="zh-CN" altLang="en-US" smtClean="0"/>
               <a:t>‹#›</a:t>
             </a:fld>
@@ -3003,7 +3003,7 @@
     </p:spTree>
     <p:extLst>
       <p:ext uri="{BB962C8B-B14F-4D97-AF65-F5344CB8AC3E}">
-        <p14:creationId xmlns:p14="http://schemas.microsoft.com/office/powerpoint/2010/main" val="644796152"/>
+        <p14:creationId xmlns:p14="http://schemas.microsoft.com/office/powerpoint/2010/main" val="59067161"/>
       </p:ext>
     </p:extLst>
   </p:cSld>
@@ -3323,7 +3323,7 @@
       </p:grpSpPr>
       <p:pic>
         <p:nvPicPr>
-          <p:cNvPr id="327682" name="Picture 2" descr="319"/>
+          <p:cNvPr id="328706" name="Picture 2" descr="320"/>
           <p:cNvPicPr>
             <a:picLocks noChangeAspect="1" noChangeArrowheads="1"/>
           </p:cNvPicPr>
@@ -3375,158 +3375,11 @@
           </a:extLst>
         </p:spPr>
       </p:pic>
-      <p:pic>
-        <p:nvPicPr>
-          <p:cNvPr id="328707" name="Picture 3" descr="319-2"/>
-          <p:cNvPicPr>
-            <a:picLocks noChangeAspect="1" noChangeArrowheads="1"/>
-          </p:cNvPicPr>
-          <p:nvPr/>
-        </p:nvPicPr>
-        <p:blipFill>
-          <a:blip r:embed="rId3">
-            <a:extLst>
-              <a:ext uri="{28A0092B-C50C-407E-A947-70E740481C1C}">
-                <a14:useLocalDpi xmlns:a14="http://schemas.microsoft.com/office/drawing/2010/main" val="0"/>
-              </a:ext>
-            </a:extLst>
-          </a:blip>
-          <a:srcRect/>
-          <a:stretch>
-            <a:fillRect/>
-          </a:stretch>
-        </p:blipFill>
-        <p:spPr bwMode="auto">
-          <a:xfrm>
-            <a:off x="1524000" y="0"/>
-            <a:ext cx="9144000" cy="6858000"/>
-          </a:xfrm>
-          <a:prstGeom prst="rect">
-            <a:avLst/>
-          </a:prstGeom>
-          <a:noFill/>
-          <a:ln>
-            <a:noFill/>
-          </a:ln>
-          <a:effectLst/>
-          <a:extLst>
-            <a:ext uri="{909E8E84-426E-40DD-AFC4-6F175D3DCCD1}">
-              <a14:hiddenFill xmlns:a14="http://schemas.microsoft.com/office/drawing/2010/main">
-                <a:solidFill>
-                  <a:srgbClr val="FFFFFF"/>
-                </a:solidFill>
-              </a14:hiddenFill>
-            </a:ext>
-            <a:ext uri="{91240B29-F687-4F45-9708-019B960494DF}">
-              <a14:hiddenLine xmlns:a14="http://schemas.microsoft.com/office/drawing/2010/main" w="9525">
-                <a:solidFill>
-                  <a:srgbClr val="000000"/>
-                </a:solidFill>
-                <a:miter lim="800000"/>
-                <a:headEnd/>
-                <a:tailEnd/>
-              </a14:hiddenLine>
-            </a:ext>
-            <a:ext uri="{AF507438-7753-43E0-B8FC-AC1667EBCBE1}">
-              <a14:hiddenEffects xmlns:a14="http://schemas.microsoft.com/office/drawing/2010/main">
-                <a:effectLst>
-                  <a:outerShdw dist="35921" dir="2700000" algn="ctr" rotWithShape="0">
-                    <a:srgbClr val="808080"/>
-                  </a:outerShdw>
-                </a:effectLst>
-              </a14:hiddenEffects>
-            </a:ext>
-          </a:extLst>
-        </p:spPr>
-      </p:pic>
     </p:spTree>
   </p:cSld>
   <p:clrMapOvr>
     <a:masterClrMapping/>
   </p:clrMapOvr>
-  <p:timing>
-    <p:tnLst>
-      <p:par>
-        <p:cTn id="1" dur="indefinite" restart="never" nodeType="tmRoot">
-          <p:childTnLst>
-            <p:seq concurrent="1" nextAc="seek">
-              <p:cTn id="2" dur="indefinite" nodeType="mainSeq">
-                <p:childTnLst>
-                  <p:par>
-                    <p:cTn id="3" fill="hold" nodeType="clickPar">
-                      <p:stCondLst>
-                        <p:cond delay="indefinite"/>
-                      </p:stCondLst>
-                      <p:childTnLst>
-                        <p:par>
-                          <p:cTn id="4" fill="hold" nodeType="withGroup">
-                            <p:stCondLst>
-                              <p:cond delay="0"/>
-                            </p:stCondLst>
-                            <p:childTnLst>
-                              <p:par>
-                                <p:cTn id="5" presetID="10" presetClass="entr" presetSubtype="0" fill="hold" nodeType="clickEffect">
-                                  <p:stCondLst>
-                                    <p:cond delay="0"/>
-                                  </p:stCondLst>
-                                  <p:childTnLst>
-                                    <p:set>
-                                      <p:cBhvr>
-                                        <p:cTn id="6" dur="1" fill="hold">
-                                          <p:stCondLst>
-                                            <p:cond delay="0"/>
-                                          </p:stCondLst>
-                                        </p:cTn>
-                                        <p:tgtEl>
-                                          <p:spTgt spid="328707"/>
-                                        </p:tgtEl>
-                                        <p:attrNameLst>
-                                          <p:attrName>style.visibility</p:attrName>
-                                        </p:attrNameLst>
-                                      </p:cBhvr>
-                                      <p:to>
-                                        <p:strVal val="visible"/>
-                                      </p:to>
-                                    </p:set>
-                                    <p:animEffect transition="in" filter="fade">
-                                      <p:cBhvr>
-                                        <p:cTn id="7" dur="500"/>
-                                        <p:tgtEl>
-                                          <p:spTgt spid="328707"/>
-                                        </p:tgtEl>
-                                      </p:cBhvr>
-                                    </p:animEffect>
-                                  </p:childTnLst>
-                                </p:cTn>
-                              </p:par>
-                            </p:childTnLst>
-                          </p:cTn>
-                        </p:par>
-                      </p:childTnLst>
-                    </p:cTn>
-                  </p:par>
-                </p:childTnLst>
-              </p:cTn>
-              <p:prevCondLst>
-                <p:cond evt="onPrev" delay="0">
-                  <p:tgtEl>
-                    <p:sldTgt/>
-                  </p:tgtEl>
-                </p:cond>
-              </p:prevCondLst>
-              <p:nextCondLst>
-                <p:cond evt="onNext" delay="0">
-                  <p:tgtEl>
-                    <p:sldTgt/>
-                  </p:tgtEl>
-                </p:cond>
-              </p:nextCondLst>
-            </p:seq>
-          </p:childTnLst>
-        </p:cTn>
-      </p:par>
-    </p:tnLst>
-  </p:timing>
 </p:sld>
 </file>
 
